--- a/presentation.pptx
+++ b/presentation.pptx
@@ -26,81 +26,80 @@
     <p:sldId id="271" r:id="rId23"/>
     <p:sldId id="272" r:id="rId24"/>
     <p:sldId id="273" r:id="rId25"/>
-    <p:sldId id="274" r:id="rId26"/>
   </p:sldIdLst>
   <p:sldSz cx="9144000" cy="6858000"/>
   <p:notesSz cx="6858000" cy="9144000"/>
   <p:defaultTextStyle>
     <a:lvl1pPr defTabSz="457200">
       <a:defRPr>
-        <a:latin typeface="Calibri"/>
-        <a:ea typeface="Calibri"/>
-        <a:cs typeface="Calibri"/>
-        <a:sym typeface="Calibri"/>
+        <a:latin typeface="+mj-lt"/>
+        <a:ea typeface="+mj-ea"/>
+        <a:cs typeface="+mj-cs"/>
+        <a:sym typeface="Helvetica"/>
       </a:defRPr>
     </a:lvl1pPr>
-    <a:lvl2pPr indent="457200" defTabSz="457200">
+    <a:lvl2pPr defTabSz="457200">
       <a:defRPr>
-        <a:latin typeface="Calibri"/>
-        <a:ea typeface="Calibri"/>
-        <a:cs typeface="Calibri"/>
-        <a:sym typeface="Calibri"/>
+        <a:latin typeface="+mj-lt"/>
+        <a:ea typeface="+mj-ea"/>
+        <a:cs typeface="+mj-cs"/>
+        <a:sym typeface="Helvetica"/>
       </a:defRPr>
     </a:lvl2pPr>
-    <a:lvl3pPr indent="914400" defTabSz="457200">
+    <a:lvl3pPr defTabSz="457200">
       <a:defRPr>
-        <a:latin typeface="Calibri"/>
-        <a:ea typeface="Calibri"/>
-        <a:cs typeface="Calibri"/>
-        <a:sym typeface="Calibri"/>
+        <a:latin typeface="+mj-lt"/>
+        <a:ea typeface="+mj-ea"/>
+        <a:cs typeface="+mj-cs"/>
+        <a:sym typeface="Helvetica"/>
       </a:defRPr>
     </a:lvl3pPr>
-    <a:lvl4pPr indent="1371600" defTabSz="457200">
+    <a:lvl4pPr defTabSz="457200">
       <a:defRPr>
-        <a:latin typeface="Calibri"/>
-        <a:ea typeface="Calibri"/>
-        <a:cs typeface="Calibri"/>
-        <a:sym typeface="Calibri"/>
+        <a:latin typeface="+mj-lt"/>
+        <a:ea typeface="+mj-ea"/>
+        <a:cs typeface="+mj-cs"/>
+        <a:sym typeface="Helvetica"/>
       </a:defRPr>
     </a:lvl4pPr>
-    <a:lvl5pPr indent="1828800" defTabSz="457200">
+    <a:lvl5pPr defTabSz="457200">
       <a:defRPr>
-        <a:latin typeface="Calibri"/>
-        <a:ea typeface="Calibri"/>
-        <a:cs typeface="Calibri"/>
-        <a:sym typeface="Calibri"/>
+        <a:latin typeface="+mj-lt"/>
+        <a:ea typeface="+mj-ea"/>
+        <a:cs typeface="+mj-cs"/>
+        <a:sym typeface="Helvetica"/>
       </a:defRPr>
     </a:lvl5pPr>
-    <a:lvl6pPr indent="2286000" defTabSz="457200">
+    <a:lvl6pPr defTabSz="457200">
       <a:defRPr>
-        <a:latin typeface="Calibri"/>
-        <a:ea typeface="Calibri"/>
-        <a:cs typeface="Calibri"/>
-        <a:sym typeface="Calibri"/>
+        <a:latin typeface="+mj-lt"/>
+        <a:ea typeface="+mj-ea"/>
+        <a:cs typeface="+mj-cs"/>
+        <a:sym typeface="Helvetica"/>
       </a:defRPr>
     </a:lvl6pPr>
-    <a:lvl7pPr indent="2743200" defTabSz="457200">
+    <a:lvl7pPr defTabSz="457200">
       <a:defRPr>
-        <a:latin typeface="Calibri"/>
-        <a:ea typeface="Calibri"/>
-        <a:cs typeface="Calibri"/>
-        <a:sym typeface="Calibri"/>
+        <a:latin typeface="+mj-lt"/>
+        <a:ea typeface="+mj-ea"/>
+        <a:cs typeface="+mj-cs"/>
+        <a:sym typeface="Helvetica"/>
       </a:defRPr>
     </a:lvl7pPr>
-    <a:lvl8pPr indent="3200400" defTabSz="457200">
+    <a:lvl8pPr defTabSz="457200">
       <a:defRPr>
-        <a:latin typeface="Calibri"/>
-        <a:ea typeface="Calibri"/>
-        <a:cs typeface="Calibri"/>
-        <a:sym typeface="Calibri"/>
+        <a:latin typeface="+mj-lt"/>
+        <a:ea typeface="+mj-ea"/>
+        <a:cs typeface="+mj-cs"/>
+        <a:sym typeface="Helvetica"/>
       </a:defRPr>
     </a:lvl8pPr>
-    <a:lvl9pPr indent="3657600" defTabSz="457200">
+    <a:lvl9pPr defTabSz="457200">
       <a:defRPr>
-        <a:latin typeface="Calibri"/>
-        <a:ea typeface="Calibri"/>
-        <a:cs typeface="Calibri"/>
-        <a:sym typeface="Calibri"/>
+        <a:latin typeface="+mj-lt"/>
+        <a:ea typeface="+mj-ea"/>
+        <a:cs typeface="+mj-cs"/>
+        <a:sym typeface="Helvetica"/>
       </a:defRPr>
     </a:lvl9pPr>
   </p:defaultTextStyle>
@@ -187,9 +186,9 @@
         <a:spcPct val="117999"/>
       </a:lnSpc>
       <a:defRPr sz="2200">
-        <a:latin typeface="+mj-lt"/>
-        <a:ea typeface="+mj-ea"/>
-        <a:cs typeface="+mj-cs"/>
+        <a:latin typeface="+mn-lt"/>
+        <a:ea typeface="+mn-ea"/>
+        <a:cs typeface="+mn-cs"/>
         <a:sym typeface="Helvetica Neue"/>
       </a:defRPr>
     </a:lvl1pPr>
@@ -198,9 +197,9 @@
         <a:spcPct val="117999"/>
       </a:lnSpc>
       <a:defRPr sz="2200">
-        <a:latin typeface="+mj-lt"/>
-        <a:ea typeface="+mj-ea"/>
-        <a:cs typeface="+mj-cs"/>
+        <a:latin typeface="+mn-lt"/>
+        <a:ea typeface="+mn-ea"/>
+        <a:cs typeface="+mn-cs"/>
         <a:sym typeface="Helvetica Neue"/>
       </a:defRPr>
     </a:lvl2pPr>
@@ -209,9 +208,9 @@
         <a:spcPct val="117999"/>
       </a:lnSpc>
       <a:defRPr sz="2200">
-        <a:latin typeface="+mj-lt"/>
-        <a:ea typeface="+mj-ea"/>
-        <a:cs typeface="+mj-cs"/>
+        <a:latin typeface="+mn-lt"/>
+        <a:ea typeface="+mn-ea"/>
+        <a:cs typeface="+mn-cs"/>
         <a:sym typeface="Helvetica Neue"/>
       </a:defRPr>
     </a:lvl3pPr>
@@ -220,9 +219,9 @@
         <a:spcPct val="117999"/>
       </a:lnSpc>
       <a:defRPr sz="2200">
-        <a:latin typeface="+mj-lt"/>
-        <a:ea typeface="+mj-ea"/>
-        <a:cs typeface="+mj-cs"/>
+        <a:latin typeface="+mn-lt"/>
+        <a:ea typeface="+mn-ea"/>
+        <a:cs typeface="+mn-cs"/>
         <a:sym typeface="Helvetica Neue"/>
       </a:defRPr>
     </a:lvl4pPr>
@@ -231,9 +230,9 @@
         <a:spcPct val="117999"/>
       </a:lnSpc>
       <a:defRPr sz="2200">
-        <a:latin typeface="+mj-lt"/>
-        <a:ea typeface="+mj-ea"/>
-        <a:cs typeface="+mj-cs"/>
+        <a:latin typeface="+mn-lt"/>
+        <a:ea typeface="+mn-ea"/>
+        <a:cs typeface="+mn-cs"/>
         <a:sym typeface="Helvetica Neue"/>
       </a:defRPr>
     </a:lvl5pPr>
@@ -242,9 +241,9 @@
         <a:spcPct val="117999"/>
       </a:lnSpc>
       <a:defRPr sz="2200">
-        <a:latin typeface="+mj-lt"/>
-        <a:ea typeface="+mj-ea"/>
-        <a:cs typeface="+mj-cs"/>
+        <a:latin typeface="+mn-lt"/>
+        <a:ea typeface="+mn-ea"/>
+        <a:cs typeface="+mn-cs"/>
         <a:sym typeface="Helvetica Neue"/>
       </a:defRPr>
     </a:lvl6pPr>
@@ -253,9 +252,9 @@
         <a:spcPct val="117999"/>
       </a:lnSpc>
       <a:defRPr sz="2200">
-        <a:latin typeface="+mj-lt"/>
-        <a:ea typeface="+mj-ea"/>
-        <a:cs typeface="+mj-cs"/>
+        <a:latin typeface="+mn-lt"/>
+        <a:ea typeface="+mn-ea"/>
+        <a:cs typeface="+mn-cs"/>
         <a:sym typeface="Helvetica Neue"/>
       </a:defRPr>
     </a:lvl7pPr>
@@ -264,9 +263,9 @@
         <a:spcPct val="117999"/>
       </a:lnSpc>
       <a:defRPr sz="2200">
-        <a:latin typeface="+mj-lt"/>
-        <a:ea typeface="+mj-ea"/>
-        <a:cs typeface="+mj-cs"/>
+        <a:latin typeface="+mn-lt"/>
+        <a:ea typeface="+mn-ea"/>
+        <a:cs typeface="+mn-cs"/>
         <a:sym typeface="Helvetica Neue"/>
       </a:defRPr>
     </a:lvl8pPr>
@@ -275,9 +274,9 @@
         <a:spcPct val="117999"/>
       </a:lnSpc>
       <a:defRPr sz="2200">
-        <a:latin typeface="+mj-lt"/>
-        <a:ea typeface="+mj-ea"/>
-        <a:cs typeface="+mj-cs"/>
+        <a:latin typeface="+mn-lt"/>
+        <a:ea typeface="+mn-ea"/>
+        <a:cs typeface="+mn-cs"/>
         <a:sym typeface="Helvetica Neue"/>
       </a:defRPr>
     </a:lvl9pPr>
@@ -615,7 +614,7 @@
         <p:spPr>
           <a:xfrm>
             <a:off x="457200" y="274638"/>
-            <a:ext cx="6019800" cy="6583363"/>
+            <a:ext cx="6019800" cy="6583364"/>
           </a:xfrm>
           <a:prstGeom prst="rect">
             <a:avLst/>
@@ -911,7 +910,7 @@
         <p:spPr>
           <a:xfrm>
             <a:off x="722312" y="2906713"/>
-            <a:ext cx="7772401" cy="1500188"/>
+            <a:ext cx="7772401" cy="1500189"/>
           </a:xfrm>
           <a:prstGeom prst="rect">
             <a:avLst/>
@@ -1060,7 +1059,7 @@
               </a:spcBef>
               <a:defRPr sz="2800"/>
             </a:lvl2pPr>
-            <a:lvl3pPr marL="1234439" indent="-320039">
+            <a:lvl3pPr marL="1234438" indent="-320038">
               <a:spcBef>
                 <a:spcPts val="600"/>
               </a:spcBef>
@@ -1219,8 +1218,8 @@
         </p:nvSpPr>
         <p:spPr>
           <a:xfrm>
-            <a:off x="457200" y="1435465"/>
-            <a:ext cx="4040188" cy="739410"/>
+            <a:off x="457200" y="1435464"/>
+            <a:ext cx="4040188" cy="739411"/>
           </a:xfrm>
           <a:prstGeom prst="rect">
             <a:avLst/>
@@ -1307,6 +1306,10 @@
           </p:nvPr>
         </p:nvSpPr>
         <p:spPr>
+          <a:xfrm>
+            <a:off x="457200" y="0"/>
+            <a:ext cx="8229600" cy="1692277"/>
+          </a:xfrm>
           <a:prstGeom prst="rect">
             <a:avLst/>
           </a:prstGeom>
@@ -1432,7 +1435,7 @@
         <p:spPr>
           <a:xfrm>
             <a:off x="457200" y="0"/>
-            <a:ext cx="3008314" cy="1435100"/>
+            <a:ext cx="3008315" cy="1435100"/>
           </a:xfrm>
           <a:prstGeom prst="rect">
             <a:avLst/>
@@ -1586,7 +1589,7 @@
         <p:spPr>
           <a:xfrm>
             <a:off x="1792288" y="4800600"/>
-            <a:ext cx="5486401" cy="566738"/>
+            <a:ext cx="5486402" cy="566738"/>
           </a:xfrm>
           <a:prstGeom prst="rect">
             <a:avLst/>
@@ -1621,7 +1624,7 @@
         <p:spPr>
           <a:xfrm>
             <a:off x="1792288" y="5367337"/>
-            <a:ext cx="5486401" cy="804863"/>
+            <a:ext cx="5486402" cy="804864"/>
           </a:xfrm>
           <a:prstGeom prst="rect">
             <a:avLst/>
@@ -1722,8 +1725,8 @@
         </p:blipFill>
         <p:spPr>
           <a:xfrm>
-            <a:off x="7048483" y="6219825"/>
-            <a:ext cx="1645737" cy="501650"/>
+            <a:off x="7048482" y="6219825"/>
+            <a:ext cx="1645738" cy="501650"/>
           </a:xfrm>
           <a:prstGeom prst="rect">
             <a:avLst/>
@@ -1743,8 +1746,8 @@
         </p:nvSpPr>
         <p:spPr>
           <a:xfrm>
-            <a:off x="457200" y="92076"/>
-            <a:ext cx="8229600" cy="1508125"/>
+            <a:off x="457200" y="92075"/>
+            <a:ext cx="8229600" cy="1508126"/>
           </a:xfrm>
           <a:prstGeom prst="rect">
             <a:avLst/>
@@ -1759,7 +1762,7 @@
           </a:extLst>
         </p:spPr>
         <p:txBody>
-          <a:bodyPr lIns="45719" rIns="45719" anchor="ctr">
+          <a:bodyPr lIns="45718" tIns="45718" rIns="45718" bIns="45718" anchor="ctr">
             <a:normAutofit fontScale="100000" lnSpcReduction="0"/>
           </a:bodyPr>
           <a:lstStyle/>
@@ -1800,7 +1803,7 @@
           </a:extLst>
         </p:spPr>
         <p:txBody>
-          <a:bodyPr lIns="45719" rIns="45719">
+          <a:bodyPr lIns="45718" tIns="45718" rIns="45718" bIns="45718">
             <a:normAutofit fontScale="100000" lnSpcReduction="0"/>
           </a:bodyPr>
           <a:lstStyle/>
@@ -1866,7 +1869,7 @@
         <p:spPr>
           <a:xfrm>
             <a:off x="6553200" y="6356350"/>
-            <a:ext cx="2133600" cy="358140"/>
+            <a:ext cx="2133600" cy="358138"/>
           </a:xfrm>
           <a:prstGeom prst="rect">
             <a:avLst/>
@@ -1876,10 +1879,19 @@
           </a:ln>
         </p:spPr>
         <p:txBody>
-          <a:bodyPr lIns="45719" rIns="45719">
+          <a:bodyPr lIns="45718" tIns="45718" rIns="45718" bIns="45718">
             <a:spAutoFit/>
           </a:bodyPr>
-          <a:lstStyle/>
+          <a:lstStyle>
+            <a:lvl1pPr>
+              <a:defRPr>
+                <a:latin typeface="Calibri"/>
+                <a:ea typeface="Calibri"/>
+                <a:cs typeface="Calibri"/>
+                <a:sym typeface="Calibri"/>
+              </a:defRPr>
+            </a:lvl1pPr>
+          </a:lstStyle>
           <a:p>
             <a:pPr lvl="0"/>
             <a:fld id="{86CB4B4D-7CA3-9044-876B-883B54F8677D}" type="slidenum"/>
@@ -2118,7 +2130,7 @@
           <a:sym typeface="Calibri"/>
         </a:defRPr>
       </a:lvl1pPr>
-      <a:lvl2pPr indent="457200" defTabSz="457200">
+      <a:lvl2pPr defTabSz="457200">
         <a:defRPr>
           <a:solidFill>
             <a:schemeClr val="tx1"/>
@@ -2129,7 +2141,7 @@
           <a:sym typeface="Calibri"/>
         </a:defRPr>
       </a:lvl2pPr>
-      <a:lvl3pPr indent="914400" defTabSz="457200">
+      <a:lvl3pPr defTabSz="457200">
         <a:defRPr>
           <a:solidFill>
             <a:schemeClr val="tx1"/>
@@ -2140,7 +2152,7 @@
           <a:sym typeface="Calibri"/>
         </a:defRPr>
       </a:lvl3pPr>
-      <a:lvl4pPr indent="1371600" defTabSz="457200">
+      <a:lvl4pPr defTabSz="457200">
         <a:defRPr>
           <a:solidFill>
             <a:schemeClr val="tx1"/>
@@ -2151,7 +2163,7 @@
           <a:sym typeface="Calibri"/>
         </a:defRPr>
       </a:lvl4pPr>
-      <a:lvl5pPr indent="1828800" defTabSz="457200">
+      <a:lvl5pPr defTabSz="457200">
         <a:defRPr>
           <a:solidFill>
             <a:schemeClr val="tx1"/>
@@ -2162,7 +2174,7 @@
           <a:sym typeface="Calibri"/>
         </a:defRPr>
       </a:lvl5pPr>
-      <a:lvl6pPr indent="2286000" defTabSz="457200">
+      <a:lvl6pPr defTabSz="457200">
         <a:defRPr>
           <a:solidFill>
             <a:schemeClr val="tx1"/>
@@ -2173,7 +2185,7 @@
           <a:sym typeface="Calibri"/>
         </a:defRPr>
       </a:lvl6pPr>
-      <a:lvl7pPr indent="2743200" defTabSz="457200">
+      <a:lvl7pPr defTabSz="457200">
         <a:defRPr>
           <a:solidFill>
             <a:schemeClr val="tx1"/>
@@ -2184,7 +2196,7 @@
           <a:sym typeface="Calibri"/>
         </a:defRPr>
       </a:lvl7pPr>
-      <a:lvl8pPr indent="3200400" defTabSz="457200">
+      <a:lvl8pPr defTabSz="457200">
         <a:defRPr>
           <a:solidFill>
             <a:schemeClr val="tx1"/>
@@ -2195,7 +2207,7 @@
           <a:sym typeface="Calibri"/>
         </a:defRPr>
       </a:lvl8pPr>
-      <a:lvl9pPr indent="3657600" defTabSz="457200">
+      <a:lvl9pPr defTabSz="457200">
         <a:defRPr>
           <a:solidFill>
             <a:schemeClr val="tx1"/>
@@ -2254,11 +2266,7 @@
             </a:pPr>
             <a:r>
               <a:rPr sz="4400"/>
-              <a:t>Developing M</a:t>
-            </a:r>
-            <a:r>
-              <a:rPr sz="4400"/>
-              <a:t>icroservices</a:t>
+              <a:t>Developing Microservices</a:t>
             </a:r>
             <a:br>
               <a:rPr sz="4400"/>
@@ -2386,7 +2394,7 @@
             </a:pPr>
             <a:r>
               <a:rPr sz="4400"/>
-              <a:t>Get the workshop</a:t>
+              <a:t>Step 0 – Build the frontend</a:t>
             </a:r>
           </a:p>
         </p:txBody>
@@ -2412,63 +2420,63 @@
           <a:bodyPr/>
           <a:lstStyle/>
           <a:p>
+            <a:pPr lvl="0" marL="609600" indent="-609600">
+              <a:defRPr sz="1800"/>
+            </a:pPr>
+            <a:r>
+              <a:rPr sz="3200"/>
+              <a:t>Step0/README.md</a:t>
+            </a:r>
+            <a:endParaRPr sz="3200"/>
+          </a:p>
+          <a:p>
             <a:pPr lvl="0">
               <a:defRPr sz="1800"/>
             </a:pPr>
+            <a:endParaRPr sz="3200"/>
+          </a:p>
+          <a:p>
+            <a:pPr lvl="0" marL="609600" indent="-609600">
+              <a:defRPr sz="1800"/>
+            </a:pPr>
             <a:r>
               <a:rPr sz="3200"/>
-              <a:t>Clone the following repo</a:t>
+              <a:t>Build and run the front end as a container</a:t>
             </a:r>
             <a:endParaRPr sz="3200"/>
           </a:p>
           <a:p>
-            <a:pPr lvl="0" marL="0" indent="0" algn="ctr">
+            <a:pPr lvl="0">
+              <a:defRPr sz="1800"/>
+            </a:pPr>
+            <a:endParaRPr sz="3200"/>
+          </a:p>
+          <a:p>
+            <a:pPr lvl="0" marL="0" indent="0">
               <a:buSzTx/>
               <a:buNone/>
               <a:defRPr sz="1800"/>
             </a:pPr>
+            <a:r>
+              <a:rPr b="1" i="1" sz="3200"/>
+              <a:t>Hint</a:t>
+            </a:r>
+            <a:r>
+              <a:rPr sz="3200"/>
+              <a:t> </a:t>
+            </a:r>
             <a:endParaRPr sz="3200"/>
           </a:p>
           <a:p>
-            <a:pPr lvl="0" marL="0" indent="0" algn="ctr">
-              <a:buSzTx/>
-              <a:buNone/>
-              <a:defRPr sz="1800"/>
-            </a:pPr>
-            <a:r>
-              <a:rPr sz="4500">
-                <a:latin typeface="PT Mono"/>
-                <a:ea typeface="PT Mono"/>
-                <a:cs typeface="PT Mono"/>
-                <a:sym typeface="PT Mono"/>
-              </a:rPr>
-              <a:t>git@github.com:nearform/msworkshop.git</a:t>
-            </a:r>
-            <a:endParaRPr sz="4500">
-              <a:latin typeface="PT Mono"/>
-              <a:ea typeface="PT Mono"/>
-              <a:cs typeface="PT Mono"/>
-              <a:sym typeface="PT Mono"/>
-            </a:endParaRPr>
-          </a:p>
-          <a:p>
-            <a:pPr lvl="1" marL="0" indent="457200">
+            <a:pPr lvl="1" marL="901700" indent="-444500">
               <a:spcBef>
                 <a:spcPts val="600"/>
               </a:spcBef>
-              <a:buSzTx/>
-              <a:buNone/>
-              <a:defRPr sz="1800"/>
-            </a:pPr>
-            <a:endParaRPr sz="2800"/>
-          </a:p>
-          <a:p>
-            <a:pPr lvl="0">
-              <a:defRPr sz="1800"/>
-            </a:pPr>
-            <a:r>
-              <a:rPr sz="3200"/>
-              <a:t>Or grab the tarball from a key drive</a:t>
+              <a:defRPr sz="1800"/>
+            </a:pPr>
+            <a:r>
+              <a:rPr sz="2800"/>
+              <a:t>Docker build –t frontend .</a:t>
             </a:r>
           </a:p>
         </p:txBody>
@@ -2525,7 +2533,7 @@
             </a:pPr>
             <a:r>
               <a:rPr sz="4400"/>
-              <a:t>Step 0 – Build the frontend</a:t>
+              <a:t>Step 1 – Add websockets</a:t>
             </a:r>
           </a:p>
         </p:txBody>
@@ -2551,64 +2559,28 @@
           <a:bodyPr/>
           <a:lstStyle/>
           <a:p>
+            <a:pPr lvl="0" marL="609600" indent="-609600">
+              <a:defRPr sz="1800"/>
+            </a:pPr>
+            <a:r>
+              <a:rPr sz="3200"/>
+              <a:t>Step1/README.md</a:t>
+            </a:r>
+            <a:endParaRPr sz="3200"/>
+          </a:p>
+          <a:p>
             <a:pPr lvl="0">
               <a:defRPr sz="1800"/>
             </a:pPr>
+            <a:endParaRPr sz="3200"/>
+          </a:p>
+          <a:p>
+            <a:pPr lvl="0" marL="609600" indent="-609600">
+              <a:defRPr sz="1800"/>
+            </a:pPr>
             <a:r>
               <a:rPr sz="3200"/>
-              <a:t>Step0/README.md</a:t>
-            </a:r>
-            <a:endParaRPr sz="3200"/>
-          </a:p>
-          <a:p>
-            <a:pPr lvl="0">
-              <a:defRPr sz="1800"/>
-            </a:pPr>
-            <a:endParaRPr sz="3200"/>
-          </a:p>
-          <a:p>
-            <a:pPr lvl="0">
-              <a:defRPr sz="1800"/>
-            </a:pPr>
-            <a:r>
-              <a:rPr sz="3200"/>
-              <a:t>Build and run the front end as a container</a:t>
-            </a:r>
-            <a:endParaRPr sz="3200"/>
-          </a:p>
-          <a:p>
-            <a:pPr lvl="0">
-              <a:defRPr sz="1800"/>
-            </a:pPr>
-            <a:endParaRPr sz="3200"/>
-          </a:p>
-          <a:p>
-            <a:pPr lvl="0" marL="0" indent="0">
-              <a:buSzTx/>
-              <a:buFontTx/>
-              <a:buNone/>
-              <a:defRPr sz="1800"/>
-            </a:pPr>
-            <a:r>
-              <a:rPr b="1" i="1" sz="3200"/>
-              <a:t>Hint</a:t>
-            </a:r>
-            <a:r>
-              <a:rPr sz="3200"/>
-              <a:t> </a:t>
-            </a:r>
-            <a:endParaRPr sz="3200"/>
-          </a:p>
-          <a:p>
-            <a:pPr lvl="1" marL="742950" indent="-285750">
-              <a:spcBef>
-                <a:spcPts val="600"/>
-              </a:spcBef>
-              <a:defRPr sz="1800"/>
-            </a:pPr>
-            <a:r>
-              <a:rPr sz="2800"/>
-              <a:t>Docker build –t frontend .</a:t>
+              <a:t>Move the data generation function to the back end</a:t>
             </a:r>
           </a:p>
         </p:txBody>
@@ -2665,7 +2637,7 @@
             </a:pPr>
             <a:r>
               <a:rPr sz="4400"/>
-              <a:t>Step 1 – Add websockets</a:t>
+              <a:t>Step2 – The data writer</a:t>
             </a:r>
           </a:p>
         </p:txBody>
@@ -2691,28 +2663,28 @@
           <a:bodyPr/>
           <a:lstStyle/>
           <a:p>
+            <a:pPr lvl="0" marL="609600" indent="-609600">
+              <a:defRPr sz="1800"/>
+            </a:pPr>
+            <a:r>
+              <a:rPr sz="3200"/>
+              <a:t>Step2/README.md</a:t>
+            </a:r>
+            <a:endParaRPr sz="3200"/>
+          </a:p>
+          <a:p>
             <a:pPr lvl="0">
               <a:defRPr sz="1800"/>
             </a:pPr>
+            <a:endParaRPr sz="3200"/>
+          </a:p>
+          <a:p>
+            <a:pPr lvl="0" marL="609600" indent="-609600">
+              <a:defRPr sz="1800"/>
+            </a:pPr>
             <a:r>
               <a:rPr sz="3200"/>
-              <a:t>Step1/README.md</a:t>
-            </a:r>
-            <a:endParaRPr sz="3200"/>
-          </a:p>
-          <a:p>
-            <a:pPr lvl="0">
-              <a:defRPr sz="1800"/>
-            </a:pPr>
-            <a:endParaRPr sz="3200"/>
-          </a:p>
-          <a:p>
-            <a:pPr lvl="0">
-              <a:defRPr sz="1800"/>
-            </a:pPr>
-            <a:r>
-              <a:rPr sz="3200"/>
-              <a:t>Move the data generation function to the back end</a:t>
+              <a:t>The `step2` folder has a skeleton for the serializer service, your challenge is to write a Seneca (http://senecajs.org) handler to write points to influxdb.</a:t>
             </a:r>
           </a:p>
         </p:txBody>
@@ -2769,7 +2741,7 @@
             </a:pPr>
             <a:r>
               <a:rPr sz="4400"/>
-              <a:t>Step2 – The data writer</a:t>
+              <a:t>Step 3 – Docker compose</a:t>
             </a:r>
           </a:p>
         </p:txBody>
@@ -2795,28 +2767,28 @@
           <a:bodyPr/>
           <a:lstStyle/>
           <a:p>
+            <a:pPr lvl="0" marL="609600" indent="-609600">
+              <a:defRPr sz="1800"/>
+            </a:pPr>
+            <a:r>
+              <a:rPr sz="3200"/>
+              <a:t>Step3/README.md</a:t>
+            </a:r>
+            <a:endParaRPr sz="3200"/>
+          </a:p>
+          <a:p>
             <a:pPr lvl="0">
               <a:defRPr sz="1800"/>
             </a:pPr>
+            <a:endParaRPr sz="3200"/>
+          </a:p>
+          <a:p>
+            <a:pPr lvl="0" marL="609600" indent="-609600">
+              <a:defRPr sz="1800"/>
+            </a:pPr>
             <a:r>
               <a:rPr sz="3200"/>
-              <a:t>Step2/README.md</a:t>
-            </a:r>
-            <a:endParaRPr sz="3200"/>
-          </a:p>
-          <a:p>
-            <a:pPr lvl="0">
-              <a:defRPr sz="1800"/>
-            </a:pPr>
-            <a:endParaRPr sz="3200"/>
-          </a:p>
-          <a:p>
-            <a:pPr lvl="0">
-              <a:defRPr sz="1800"/>
-            </a:pPr>
-            <a:r>
-              <a:rPr sz="3200"/>
-              <a:t>The `step2` folder has a skeleton for the serializer service, your challenge is to write a Seneca (http://senecajs.org) handler to write points to influxdb.</a:t>
+              <a:t>Running multiple containers individually is error prone, your challenge is to use docker-compose. In this step you will create a docker compose .yml file to launch all our containers with a single command.</a:t>
             </a:r>
           </a:p>
         </p:txBody>
@@ -2866,14 +2838,18 @@
         </p:spPr>
         <p:txBody>
           <a:bodyPr/>
-          <a:lstStyle/>
+          <a:lstStyle>
+            <a:lvl1pPr defTabSz="438911">
+              <a:defRPr sz="4200"/>
+            </a:lvl1pPr>
+          </a:lstStyle>
           <a:p>
             <a:pPr lvl="0">
               <a:defRPr sz="1800"/>
             </a:pPr>
             <a:r>
-              <a:rPr sz="4400"/>
-              <a:t>Step 3 – Docker compose</a:t>
+              <a:rPr sz="4200"/>
+              <a:t>Step 4 – Wire up the MQTT Broker</a:t>
             </a:r>
           </a:p>
         </p:txBody>
@@ -2899,28 +2875,28 @@
           <a:bodyPr/>
           <a:lstStyle/>
           <a:p>
+            <a:pPr lvl="0" marL="609600" indent="-609600">
+              <a:defRPr sz="1800"/>
+            </a:pPr>
+            <a:r>
+              <a:rPr sz="3200"/>
+              <a:t>Step4/README.md</a:t>
+            </a:r>
+            <a:endParaRPr sz="3200"/>
+          </a:p>
+          <a:p>
             <a:pPr lvl="0">
               <a:defRPr sz="1800"/>
             </a:pPr>
+            <a:endParaRPr sz="3200"/>
+          </a:p>
+          <a:p>
+            <a:pPr lvl="0" marL="609600" indent="-609600">
+              <a:defRPr sz="1800"/>
+            </a:pPr>
             <a:r>
               <a:rPr sz="3200"/>
-              <a:t>Step3/README.md</a:t>
-            </a:r>
-            <a:endParaRPr sz="3200"/>
-          </a:p>
-          <a:p>
-            <a:pPr lvl="0">
-              <a:defRPr sz="1800"/>
-            </a:pPr>
-            <a:endParaRPr sz="3200"/>
-          </a:p>
-          <a:p>
-            <a:pPr lvl="0">
-              <a:defRPr sz="1800"/>
-            </a:pPr>
-            <a:r>
-              <a:rPr sz="3200"/>
-              <a:t>Running multiple containers individually is error prone, your challenge is to use docker-compose. In this step you will create a docker compose .yml file to launch all our containers with a single command.</a:t>
+              <a:t>You are provided with a dummy sensor and a MQTT broker service, your challenge is to wire these into the docker compose .yml.</a:t>
             </a:r>
           </a:p>
         </p:txBody>
@@ -2970,18 +2946,14 @@
         </p:spPr>
         <p:txBody>
           <a:bodyPr/>
-          <a:lstStyle>
-            <a:lvl1pPr defTabSz="438911">
-              <a:defRPr sz="4224"/>
-            </a:lvl1pPr>
-          </a:lstStyle>
+          <a:lstStyle/>
           <a:p>
             <a:pPr lvl="0">
               <a:defRPr sz="1800"/>
             </a:pPr>
             <a:r>
-              <a:rPr sz="4224"/>
-              <a:t>Step 4 – Wire up the MQTT Broker</a:t>
+              <a:rPr sz="4400"/>
+              <a:t>Step 5 – The read handler</a:t>
             </a:r>
           </a:p>
         </p:txBody>
@@ -3007,28 +2979,31 @@
           <a:bodyPr/>
           <a:lstStyle/>
           <a:p>
-            <a:pPr lvl="0">
+            <a:pPr lvl="0" marL="609600" indent="-609600">
               <a:defRPr sz="1800"/>
             </a:pPr>
             <a:r>
               <a:rPr sz="3200"/>
-              <a:t>Step4/README.md</a:t>
+              <a:t>Step5/README.md</a:t>
             </a:r>
             <a:endParaRPr sz="3200"/>
           </a:p>
           <a:p>
-            <a:pPr lvl="0">
-              <a:defRPr sz="1800"/>
-            </a:pPr>
-            <a:endParaRPr sz="3200"/>
-          </a:p>
-          <a:p>
-            <a:pPr lvl="0">
+            <a:pPr lvl="1" marL="742950" indent="-285750">
+              <a:spcBef>
+                <a:spcPts val="600"/>
+              </a:spcBef>
+              <a:defRPr sz="1800"/>
+            </a:pPr>
+            <a:endParaRPr sz="2800"/>
+          </a:p>
+          <a:p>
+            <a:pPr lvl="0" marL="609600" indent="-609600">
               <a:defRPr sz="1800"/>
             </a:pPr>
             <a:r>
               <a:rPr sz="3200"/>
-              <a:t>You are provided with a dummy sensor and a MQTT broker service, your challenge is to wire these into the docker compose .yml.</a:t>
+              <a:t>Your challenge is to add a read action handler to select data from influx the handler should take a start and end time and also a sensor id as input parameters and return time series data.</a:t>
             </a:r>
           </a:p>
         </p:txBody>
@@ -3078,14 +3053,18 @@
         </p:spPr>
         <p:txBody>
           <a:bodyPr/>
-          <a:lstStyle/>
+          <a:lstStyle>
+            <a:lvl1pPr defTabSz="434340">
+              <a:defRPr sz="4100"/>
+            </a:lvl1pPr>
+          </a:lstStyle>
           <a:p>
             <a:pPr lvl="0">
               <a:defRPr sz="1800"/>
             </a:pPr>
             <a:r>
-              <a:rPr sz="4400"/>
-              <a:t>Step 5 – The read handler</a:t>
+              <a:rPr sz="4100"/>
+              <a:t>Step 6 – Connect the read handler</a:t>
             </a:r>
           </a:p>
         </p:txBody>
@@ -3111,31 +3090,28 @@
           <a:bodyPr/>
           <a:lstStyle/>
           <a:p>
+            <a:pPr lvl="0" marL="609600" indent="-609600">
+              <a:defRPr sz="1800"/>
+            </a:pPr>
+            <a:r>
+              <a:rPr sz="3200"/>
+              <a:t>Step6/README.md</a:t>
+            </a:r>
+            <a:endParaRPr sz="3200"/>
+          </a:p>
+          <a:p>
             <a:pPr lvl="0">
               <a:defRPr sz="1800"/>
             </a:pPr>
+            <a:endParaRPr sz="3200"/>
+          </a:p>
+          <a:p>
+            <a:pPr lvl="0" marL="609600" indent="-609600">
+              <a:defRPr sz="1800"/>
+            </a:pPr>
             <a:r>
               <a:rPr sz="3200"/>
-              <a:t>Step5/README.md</a:t>
-            </a:r>
-            <a:endParaRPr sz="3200"/>
-          </a:p>
-          <a:p>
-            <a:pPr lvl="1" marL="742950" indent="-285750">
-              <a:spcBef>
-                <a:spcPts val="600"/>
-              </a:spcBef>
-              <a:defRPr sz="1800"/>
-            </a:pPr>
-            <a:endParaRPr sz="2800"/>
-          </a:p>
-          <a:p>
-            <a:pPr lvl="0">
-              <a:defRPr sz="1800"/>
-            </a:pPr>
-            <a:r>
-              <a:rPr sz="3200"/>
-              <a:t>Your challenge is to add a read action handler to select data from influx the handler should take a start and end time and also a sensor id as input parameters and return time series data.</a:t>
+              <a:t>Your challenge is to wire the data reader up to the front end. To do this you will need to replace the random value generator in the frontend/api/index.js with a call to read data from the serializer service.</a:t>
             </a:r>
           </a:p>
         </p:txBody>
@@ -3176,7 +3152,7 @@
         </p:nvSpPr>
         <p:spPr>
           <a:xfrm>
-            <a:off x="457200" y="274638"/>
+            <a:off x="457200" y="287338"/>
             <a:ext cx="8229600" cy="1143001"/>
           </a:xfrm>
           <a:prstGeom prst="rect">
@@ -3185,18 +3161,14 @@
         </p:spPr>
         <p:txBody>
           <a:bodyPr/>
-          <a:lstStyle>
-            <a:lvl1pPr defTabSz="434340">
-              <a:defRPr sz="4180"/>
-            </a:lvl1pPr>
-          </a:lstStyle>
+          <a:lstStyle/>
           <a:p>
             <a:pPr lvl="0">
               <a:defRPr sz="1800"/>
             </a:pPr>
             <a:r>
-              <a:rPr sz="4180"/>
-              <a:t>Step 6 – Connect the read handler</a:t>
+              <a:rPr sz="4400"/>
+              <a:t>Step 7 – Wire up the actuator</a:t>
             </a:r>
           </a:p>
         </p:txBody>
@@ -3222,28 +3194,28 @@
           <a:bodyPr/>
           <a:lstStyle/>
           <a:p>
+            <a:pPr lvl="0" marL="609600" indent="-609600">
+              <a:defRPr sz="1800"/>
+            </a:pPr>
+            <a:r>
+              <a:rPr sz="3200"/>
+              <a:t>Step7/README.md</a:t>
+            </a:r>
+            <a:endParaRPr sz="3200"/>
+          </a:p>
+          <a:p>
             <a:pPr lvl="0">
               <a:defRPr sz="1800"/>
             </a:pPr>
+            <a:endParaRPr sz="3200"/>
+          </a:p>
+          <a:p>
+            <a:pPr lvl="0" marL="609600" indent="-609600">
+              <a:defRPr sz="1800"/>
+            </a:pPr>
             <a:r>
               <a:rPr sz="3200"/>
-              <a:t>Step6/README.md</a:t>
-            </a:r>
-            <a:endParaRPr sz="3200"/>
-          </a:p>
-          <a:p>
-            <a:pPr lvl="0">
-              <a:defRPr sz="1800"/>
-            </a:pPr>
-            <a:endParaRPr sz="3200"/>
-          </a:p>
-          <a:p>
-            <a:pPr lvl="0">
-              <a:defRPr sz="1800"/>
-            </a:pPr>
-            <a:r>
-              <a:rPr sz="3200"/>
-              <a:t>Your challenge is to wire the data reader up to the front end. To do this you will need to replace the random value generator in the frontend/api/index.js with a call to read data from the serializer service.</a:t>
+              <a:t>Your challenge is to wire up the actuator micro-service. The actuator service is provided for you in services/actuator. The actuator service will send a new offset message to the sensor via the MQTT broker.</a:t>
             </a:r>
           </a:p>
         </p:txBody>
@@ -3284,7 +3256,7 @@
         </p:nvSpPr>
         <p:spPr>
           <a:xfrm>
-            <a:off x="457200" y="287338"/>
+            <a:off x="457200" y="274638"/>
             <a:ext cx="8229600" cy="1143001"/>
           </a:xfrm>
           <a:prstGeom prst="rect">
@@ -3300,7 +3272,7 @@
             </a:pPr>
             <a:r>
               <a:rPr sz="4400"/>
-              <a:t>Step 7 – Wire up the actuator</a:t>
+              <a:t>Step 8 – To the bar</a:t>
             </a:r>
           </a:p>
         </p:txBody>
@@ -3326,111 +3298,7 @@
           <a:bodyPr/>
           <a:lstStyle/>
           <a:p>
-            <a:pPr lvl="0">
-              <a:defRPr sz="1800"/>
-            </a:pPr>
-            <a:r>
-              <a:rPr sz="3200"/>
-              <a:t>Step7/README.md</a:t>
-            </a:r>
-            <a:endParaRPr sz="3200"/>
-          </a:p>
-          <a:p>
-            <a:pPr lvl="0">
-              <a:defRPr sz="1800"/>
-            </a:pPr>
-            <a:endParaRPr sz="3200"/>
-          </a:p>
-          <a:p>
-            <a:pPr lvl="0">
-              <a:defRPr sz="1800"/>
-            </a:pPr>
-            <a:r>
-              <a:rPr sz="3200"/>
-              <a:t>Your challenge is to wire up the actuator micro-service. The actuator service is provided for you in services/actuator. The actuator service will send a new offset message to the sensor via the MQTT broker.</a:t>
-            </a:r>
-          </a:p>
-        </p:txBody>
-      </p:sp>
-    </p:spTree>
-  </p:cSld>
-  <p:clrMapOvr>
-    <a:masterClrMapping/>
-  </p:clrMapOvr>
-  <p:transition spd="med" advClick="1"/>
-</p:sld>
-</file>
-
-<file path=ppt/slides/slide19.xml><?xml version="1.0" encoding="utf-8"?>
-<p:sld xmlns:a="http://schemas.openxmlformats.org/drawingml/2006/main" xmlns:r="http://schemas.openxmlformats.org/officeDocument/2006/relationships" xmlns:p="http://schemas.openxmlformats.org/presentationml/2006/main" showMasterSp="1" showMasterPhAnim="1">
-  <p:cSld>
-    <p:spTree>
-      <p:nvGrpSpPr>
-        <p:cNvPr id="1" name=""/>
-        <p:cNvGrpSpPr/>
-        <p:nvPr/>
-      </p:nvGrpSpPr>
-      <p:grpSpPr>
-        <a:xfrm>
-          <a:off x="0" y="0"/>
-          <a:ext cx="0" cy="0"/>
-          <a:chOff x="0" y="0"/>
-          <a:chExt cx="0" cy="0"/>
-        </a:xfrm>
-      </p:grpSpPr>
-      <p:sp>
-        <p:nvSpPr>
-          <p:cNvPr id="104" name="Shape 104"/>
-          <p:cNvSpPr/>
-          <p:nvPr>
-            <p:ph type="title"/>
-          </p:nvPr>
-        </p:nvSpPr>
-        <p:spPr>
-          <a:xfrm>
-            <a:off x="457200" y="274638"/>
-            <a:ext cx="8229600" cy="1143001"/>
-          </a:xfrm>
-          <a:prstGeom prst="rect">
-            <a:avLst/>
-          </a:prstGeom>
-        </p:spPr>
-        <p:txBody>
-          <a:bodyPr/>
-          <a:lstStyle/>
-          <a:p>
-            <a:pPr lvl="0">
-              <a:defRPr sz="1800"/>
-            </a:pPr>
-            <a:r>
-              <a:rPr sz="4400"/>
-              <a:t>Step 8 – To the bar</a:t>
-            </a:r>
-          </a:p>
-        </p:txBody>
-      </p:sp>
-      <p:sp>
-        <p:nvSpPr>
-          <p:cNvPr id="105" name="Shape 105"/>
-          <p:cNvSpPr/>
-          <p:nvPr>
-            <p:ph type="body" idx="1"/>
-          </p:nvPr>
-        </p:nvSpPr>
-        <p:spPr>
-          <a:xfrm>
-            <a:off x="457200" y="1600200"/>
-            <a:ext cx="8229600" cy="4525963"/>
-          </a:xfrm>
-          <a:prstGeom prst="rect">
-            <a:avLst/>
-          </a:prstGeom>
-        </p:spPr>
-        <p:txBody>
-          <a:bodyPr/>
-          <a:lstStyle/>
-          <a:p>
-            <a:pPr lvl="0">
+            <a:pPr lvl="0" marL="609600" indent="-609600">
               <a:defRPr sz="1800"/>
             </a:pPr>
             <a:r>
@@ -3440,7 +3308,7 @@
             <a:endParaRPr sz="3200"/>
           </a:p>
           <a:p>
-            <a:pPr lvl="0">
+            <a:pPr lvl="0" marL="609600" indent="-609600">
               <a:defRPr sz="1800"/>
             </a:pPr>
             <a:r>
@@ -3450,17 +3318,17 @@
             <a:endParaRPr sz="3200"/>
           </a:p>
           <a:p>
-            <a:pPr lvl="0">
+            <a:pPr lvl="0" marL="609600" indent="-609600">
               <a:defRPr sz="1800"/>
             </a:pPr>
             <a:r>
               <a:rPr sz="3200"/>
-              <a:t>Order beer (or a coke)</a:t>
+              <a:t>Order a ”pirlo” or a coke</a:t>
             </a:r>
             <a:endParaRPr sz="3200"/>
           </a:p>
           <a:p>
-            <a:pPr lvl="0">
+            <a:pPr lvl="0" marL="609600" indent="-609600">
               <a:defRPr sz="1800"/>
             </a:pPr>
             <a:r>
@@ -3578,7 +3446,7 @@
           <a:bodyPr/>
           <a:lstStyle/>
           <a:p>
-            <a:pPr lvl="0">
+            <a:pPr lvl="0" marL="552450" indent="-552450">
               <a:spcBef>
                 <a:spcPts val="600"/>
               </a:spcBef>
@@ -3602,7 +3470,7 @@
             <a:endParaRPr sz="2500"/>
           </a:p>
           <a:p>
-            <a:pPr lvl="0">
+            <a:pPr lvl="0" marL="552450" indent="-552450">
               <a:spcBef>
                 <a:spcPts val="600"/>
               </a:spcBef>
@@ -3626,29 +3494,29 @@
             <a:endParaRPr sz="2900"/>
           </a:p>
           <a:p>
+            <a:pPr lvl="0" marL="552450" indent="-552450">
+              <a:spcBef>
+                <a:spcPts val="600"/>
+              </a:spcBef>
+              <a:defRPr sz="1800"/>
+            </a:pPr>
+            <a:r>
+              <a:rPr sz="2900"/>
+              <a:t>Independently deployable</a:t>
+            </a:r>
+            <a:endParaRPr sz="2900"/>
+          </a:p>
+          <a:p>
             <a:pPr lvl="0">
               <a:spcBef>
                 <a:spcPts val="600"/>
               </a:spcBef>
               <a:defRPr sz="1800"/>
             </a:pPr>
-            <a:r>
-              <a:rPr sz="2900"/>
-              <a:t>Independently deployable</a:t>
-            </a:r>
             <a:endParaRPr sz="2900"/>
           </a:p>
           <a:p>
-            <a:pPr lvl="0">
-              <a:spcBef>
-                <a:spcPts val="600"/>
-              </a:spcBef>
-              <a:defRPr sz="1800"/>
-            </a:pPr>
-            <a:endParaRPr sz="2900"/>
-          </a:p>
-          <a:p>
-            <a:pPr lvl="0">
+            <a:pPr lvl="0" marL="552450" indent="-552450">
               <a:spcBef>
                 <a:spcPts val="600"/>
               </a:spcBef>
@@ -3713,11 +3581,7 @@
             </a:pPr>
             <a:r>
               <a:rPr sz="4400"/>
-              <a:t>Some </a:t>
-            </a:r>
-            <a:r>
-              <a:rPr sz="4400"/>
-              <a:t>Benefits</a:t>
+              <a:t>Some Benefits</a:t>
             </a:r>
           </a:p>
         </p:txBody>
@@ -3743,7 +3607,7 @@
           <a:bodyPr/>
           <a:lstStyle/>
           <a:p>
-            <a:pPr lvl="0">
+            <a:pPr lvl="0" marL="514350" indent="-514350">
               <a:lnSpc>
                 <a:spcPct val="80000"/>
               </a:lnSpc>
@@ -3757,6 +3621,54 @@
               <a:t>Accelerated development</a:t>
             </a:r>
             <a:endParaRPr sz="2700"/>
+          </a:p>
+          <a:p>
+            <a:pPr lvl="1" marL="822325" indent="-365125">
+              <a:lnSpc>
+                <a:spcPct val="80000"/>
+              </a:lnSpc>
+              <a:spcBef>
+                <a:spcPts val="500"/>
+              </a:spcBef>
+              <a:defRPr sz="1800"/>
+            </a:pPr>
+            <a:r>
+              <a:rPr sz="2300"/>
+              <a:t>Small components – easily grokked</a:t>
+            </a:r>
+            <a:endParaRPr sz="2300"/>
+          </a:p>
+          <a:p>
+            <a:pPr lvl="1" marL="822325" indent="-365125">
+              <a:lnSpc>
+                <a:spcPct val="80000"/>
+              </a:lnSpc>
+              <a:spcBef>
+                <a:spcPts val="500"/>
+              </a:spcBef>
+              <a:defRPr sz="1800"/>
+            </a:pPr>
+            <a:r>
+              <a:rPr sz="2300"/>
+              <a:t>Independently deployable</a:t>
+            </a:r>
+            <a:endParaRPr sz="2300"/>
+          </a:p>
+          <a:p>
+            <a:pPr lvl="1" marL="822325" indent="-365125">
+              <a:lnSpc>
+                <a:spcPct val="80000"/>
+              </a:lnSpc>
+              <a:spcBef>
+                <a:spcPts val="500"/>
+              </a:spcBef>
+              <a:defRPr sz="1800"/>
+            </a:pPr>
+            <a:r>
+              <a:rPr sz="2300"/>
+              <a:t>Easily replaceable</a:t>
+            </a:r>
+            <a:endParaRPr sz="2300"/>
           </a:p>
           <a:p>
             <a:pPr lvl="1" marL="742950" indent="-285750">
@@ -3768,58 +3680,10 @@
               </a:spcBef>
               <a:defRPr sz="1800"/>
             </a:pPr>
-            <a:r>
-              <a:rPr sz="2300"/>
-              <a:t>Small components – easily grokked</a:t>
-            </a:r>
             <a:endParaRPr sz="2300"/>
           </a:p>
           <a:p>
-            <a:pPr lvl="1" marL="742950" indent="-285750">
-              <a:lnSpc>
-                <a:spcPct val="80000"/>
-              </a:lnSpc>
-              <a:spcBef>
-                <a:spcPts val="500"/>
-              </a:spcBef>
-              <a:defRPr sz="1800"/>
-            </a:pPr>
-            <a:r>
-              <a:rPr sz="2300"/>
-              <a:t>Independently deployable</a:t>
-            </a:r>
-            <a:endParaRPr sz="2300"/>
-          </a:p>
-          <a:p>
-            <a:pPr lvl="1" marL="742950" indent="-285750">
-              <a:lnSpc>
-                <a:spcPct val="80000"/>
-              </a:lnSpc>
-              <a:spcBef>
-                <a:spcPts val="500"/>
-              </a:spcBef>
-              <a:defRPr sz="1800"/>
-            </a:pPr>
-            <a:r>
-              <a:rPr sz="2300"/>
-              <a:t>Easily replaceable</a:t>
-            </a:r>
-            <a:endParaRPr sz="2300"/>
-          </a:p>
-          <a:p>
-            <a:pPr lvl="1" marL="742950" indent="-285750">
-              <a:lnSpc>
-                <a:spcPct val="80000"/>
-              </a:lnSpc>
-              <a:spcBef>
-                <a:spcPts val="500"/>
-              </a:spcBef>
-              <a:defRPr sz="1800"/>
-            </a:pPr>
-            <a:endParaRPr sz="2300"/>
-          </a:p>
-          <a:p>
-            <a:pPr lvl="0">
+            <a:pPr lvl="0" marL="514350" indent="-514350">
               <a:lnSpc>
                 <a:spcPct val="80000"/>
               </a:lnSpc>
@@ -3835,7 +3699,7 @@
             <a:endParaRPr sz="2700"/>
           </a:p>
           <a:p>
-            <a:pPr lvl="1" marL="742950" indent="-285750">
+            <a:pPr lvl="1" marL="822325" indent="-365125">
               <a:lnSpc>
                 <a:spcPct val="80000"/>
               </a:lnSpc>
@@ -3865,7 +3729,7 @@
             <a:endParaRPr sz="2300"/>
           </a:p>
           <a:p>
-            <a:pPr lvl="0">
+            <a:pPr lvl="0" marL="514350" indent="-514350">
               <a:lnSpc>
                 <a:spcPct val="80000"/>
               </a:lnSpc>
@@ -3881,7 +3745,7 @@
             <a:endParaRPr sz="2700"/>
           </a:p>
           <a:p>
-            <a:pPr lvl="1" marL="742950" indent="-285750">
+            <a:pPr lvl="1" marL="822325" indent="-365125">
               <a:lnSpc>
                 <a:spcPct val="80000"/>
               </a:lnSpc>
@@ -3895,15 +3759,7 @@
               <a:t>Greg Young - </a:t>
             </a:r>
             <a:r>
-              <a:rPr sz="2300" u="sng">
-                <a:solidFill>
-                  <a:srgbClr val="0000FF"/>
-                </a:solidFill>
-                <a:uFill>
-                  <a:solidFill>
-                    <a:srgbClr val="0000FF"/>
-                  </a:solidFill>
-                </a:uFill>
+              <a:rPr sz="2300">
                 <a:hlinkClick r:id="rId2" invalidUrl="" action="" tgtFrame="" tooltip="" history="1" highlightClick="0" endSnd="0"/>
               </a:rPr>
               <a:t>https://vimeo.com/108441214</a:t>
@@ -3976,8 +3832,8 @@
         </p:nvSpPr>
         <p:spPr>
           <a:xfrm>
-            <a:off x="2374975" y="3103879"/>
-            <a:ext cx="4394050" cy="650241"/>
+            <a:off x="2374974" y="3103878"/>
+            <a:ext cx="4394048" cy="650239"/>
           </a:xfrm>
           <a:prstGeom prst="rect">
             <a:avLst/>
@@ -3992,12 +3848,17 @@
           </a:extLst>
         </p:spPr>
         <p:txBody>
-          <a:bodyPr wrap="none" lIns="45719" rIns="45719">
+          <a:bodyPr wrap="none" lIns="45718" tIns="45718" rIns="45718" bIns="45718">
             <a:spAutoFit/>
           </a:bodyPr>
           <a:lstStyle>
             <a:lvl1pPr>
-              <a:defRPr sz="3800"/>
+              <a:defRPr sz="3800">
+                <a:latin typeface="Calibri"/>
+                <a:ea typeface="Calibri"/>
+                <a:cs typeface="Calibri"/>
+                <a:sym typeface="Calibri"/>
+              </a:defRPr>
             </a:lvl1pPr>
           </a:lstStyle>
           <a:p>
@@ -4085,7 +3946,7 @@
         <p:spPr>
           <a:xfrm>
             <a:off x="539664" y="717529"/>
-            <a:ext cx="5510767" cy="6155481"/>
+            <a:ext cx="5510768" cy="6155481"/>
           </a:xfrm>
           <a:prstGeom prst="rect">
             <a:avLst/>
@@ -4169,7 +4030,7 @@
         <p:spPr>
           <a:xfrm>
             <a:off x="920381" y="1813866"/>
-            <a:ext cx="7583953" cy="3677069"/>
+            <a:ext cx="7583954" cy="3677069"/>
           </a:xfrm>
           <a:prstGeom prst="rect">
             <a:avLst/>
@@ -4257,6 +4118,22 @@
           <a:bodyPr/>
           <a:lstStyle/>
           <a:p>
+            <a:pPr lvl="0" marL="457200" indent="-457200">
+              <a:lnSpc>
+                <a:spcPct val="80000"/>
+              </a:lnSpc>
+              <a:spcBef>
+                <a:spcPts val="500"/>
+              </a:spcBef>
+              <a:defRPr sz="1800"/>
+            </a:pPr>
+            <a:r>
+              <a:rPr sz="2400"/>
+              <a:t>Rickshaw charts + socket.io</a:t>
+            </a:r>
+            <a:endParaRPr sz="2400"/>
+          </a:p>
+          <a:p>
             <a:pPr lvl="0">
               <a:lnSpc>
                 <a:spcPct val="80000"/>
@@ -4266,9 +4143,21 @@
               </a:spcBef>
               <a:defRPr sz="1800"/>
             </a:pPr>
+            <a:endParaRPr sz="2400"/>
+          </a:p>
+          <a:p>
+            <a:pPr lvl="0" marL="457200" indent="-457200">
+              <a:lnSpc>
+                <a:spcPct val="80000"/>
+              </a:lnSpc>
+              <a:spcBef>
+                <a:spcPts val="500"/>
+              </a:spcBef>
+              <a:defRPr sz="1800"/>
+            </a:pPr>
             <a:r>
               <a:rPr sz="2400"/>
-              <a:t>Rickshaw charts + socket.io</a:t>
+              <a:t>Node.js + express</a:t>
             </a:r>
             <a:endParaRPr sz="2400"/>
           </a:p>
@@ -4285,6 +4174,22 @@
             <a:endParaRPr sz="2400"/>
           </a:p>
           <a:p>
+            <a:pPr lvl="0" marL="457200" indent="-457200">
+              <a:lnSpc>
+                <a:spcPct val="80000"/>
+              </a:lnSpc>
+              <a:spcBef>
+                <a:spcPts val="500"/>
+              </a:spcBef>
+              <a:defRPr sz="1800"/>
+            </a:pPr>
+            <a:r>
+              <a:rPr sz="2400"/>
+              <a:t>Seneca (Microservices framework)</a:t>
+            </a:r>
+            <a:endParaRPr sz="2400"/>
+          </a:p>
+          <a:p>
             <a:pPr lvl="0">
               <a:lnSpc>
                 <a:spcPct val="80000"/>
@@ -4294,9 +4199,21 @@
               </a:spcBef>
               <a:defRPr sz="1800"/>
             </a:pPr>
+            <a:endParaRPr sz="2400"/>
+          </a:p>
+          <a:p>
+            <a:pPr lvl="0" marL="457200" indent="-457200">
+              <a:lnSpc>
+                <a:spcPct val="80000"/>
+              </a:lnSpc>
+              <a:spcBef>
+                <a:spcPts val="500"/>
+              </a:spcBef>
+              <a:defRPr sz="1800"/>
+            </a:pPr>
             <a:r>
               <a:rPr sz="2400"/>
-              <a:t>Node.js + express</a:t>
+              <a:t>Mosca (MQTT broker)</a:t>
             </a:r>
             <a:endParaRPr sz="2400"/>
           </a:p>
@@ -4313,6 +4230,22 @@
             <a:endParaRPr sz="2400"/>
           </a:p>
           <a:p>
+            <a:pPr lvl="0" marL="457200" indent="-457200">
+              <a:lnSpc>
+                <a:spcPct val="80000"/>
+              </a:lnSpc>
+              <a:spcBef>
+                <a:spcPts val="500"/>
+              </a:spcBef>
+              <a:defRPr sz="1800"/>
+            </a:pPr>
+            <a:r>
+              <a:rPr sz="2400"/>
+              <a:t>InfluxDB (Time series database)</a:t>
+            </a:r>
+            <a:endParaRPr sz="2400"/>
+          </a:p>
+          <a:p>
             <a:pPr lvl="0">
               <a:lnSpc>
                 <a:spcPct val="80000"/>
@@ -4322,82 +4255,10 @@
               </a:spcBef>
               <a:defRPr sz="1800"/>
             </a:pPr>
-            <a:r>
-              <a:rPr sz="2400"/>
-              <a:t>Seneca (Microservices framework)</a:t>
-            </a:r>
             <a:endParaRPr sz="2400"/>
           </a:p>
           <a:p>
-            <a:pPr lvl="0">
-              <a:lnSpc>
-                <a:spcPct val="80000"/>
-              </a:lnSpc>
-              <a:spcBef>
-                <a:spcPts val="500"/>
-              </a:spcBef>
-              <a:defRPr sz="1800"/>
-            </a:pPr>
-            <a:endParaRPr sz="2400"/>
-          </a:p>
-          <a:p>
-            <a:pPr lvl="0">
-              <a:lnSpc>
-                <a:spcPct val="80000"/>
-              </a:lnSpc>
-              <a:spcBef>
-                <a:spcPts val="500"/>
-              </a:spcBef>
-              <a:defRPr sz="1800"/>
-            </a:pPr>
-            <a:r>
-              <a:rPr sz="2400"/>
-              <a:t>Mosca (MQTT broker)</a:t>
-            </a:r>
-            <a:endParaRPr sz="2400"/>
-          </a:p>
-          <a:p>
-            <a:pPr lvl="0">
-              <a:lnSpc>
-                <a:spcPct val="80000"/>
-              </a:lnSpc>
-              <a:spcBef>
-                <a:spcPts val="500"/>
-              </a:spcBef>
-              <a:defRPr sz="1800"/>
-            </a:pPr>
-            <a:endParaRPr sz="2400"/>
-          </a:p>
-          <a:p>
-            <a:pPr lvl="0">
-              <a:lnSpc>
-                <a:spcPct val="80000"/>
-              </a:lnSpc>
-              <a:spcBef>
-                <a:spcPts val="500"/>
-              </a:spcBef>
-              <a:defRPr sz="1800"/>
-            </a:pPr>
-            <a:r>
-              <a:rPr sz="2400"/>
-              <a:t>InfluxDB (Time series database)</a:t>
-            </a:r>
-            <a:endParaRPr sz="2400"/>
-          </a:p>
-          <a:p>
-            <a:pPr lvl="0">
-              <a:lnSpc>
-                <a:spcPct val="80000"/>
-              </a:lnSpc>
-              <a:spcBef>
-                <a:spcPts val="500"/>
-              </a:spcBef>
-              <a:defRPr sz="1800"/>
-            </a:pPr>
-            <a:endParaRPr sz="2400"/>
-          </a:p>
-          <a:p>
-            <a:pPr lvl="0">
+            <a:pPr lvl="0" marL="457200" indent="-457200">
               <a:lnSpc>
                 <a:spcPct val="80000"/>
               </a:lnSpc>
@@ -4465,7 +4326,7 @@
             </a:pPr>
             <a:r>
               <a:rPr sz="4400"/>
-              <a:t>Before we begin</a:t>
+              <a:t>You should now have</a:t>
             </a:r>
           </a:p>
         </p:txBody>
@@ -4494,37 +4355,85 @@
             <a:pPr lvl="0">
               <a:defRPr sz="1800"/>
             </a:pPr>
+          </a:p>
+          <a:p>
+            <a:pPr lvl="0" marL="609600" indent="-609600">
+              <a:defRPr sz="1800"/>
+            </a:pPr>
+            <a:r>
+              <a:rPr sz="3200"/>
+              <a:t>Run ‘docker ps’</a:t>
+            </a:r>
             <a:endParaRPr sz="3200"/>
           </a:p>
           <a:p>
-            <a:pPr lvl="0">
+            <a:pPr lvl="1" marL="901700" indent="-444500">
+              <a:spcBef>
+                <a:spcPts val="600"/>
+              </a:spcBef>
+              <a:defRPr sz="1800"/>
+            </a:pPr>
+            <a:r>
+              <a:rPr sz="2800"/>
+              <a:t>Should execute and show no processes</a:t>
+            </a:r>
+            <a:endParaRPr sz="2800"/>
+          </a:p>
+          <a:p>
+            <a:pPr lvl="1" marL="742950" indent="-285750">
+              <a:spcBef>
+                <a:spcPts val="600"/>
+              </a:spcBef>
+              <a:defRPr sz="1800"/>
+            </a:pPr>
+            <a:endParaRPr sz="2800"/>
+          </a:p>
+          <a:p>
+            <a:pPr lvl="0" marL="609600" indent="-609600">
               <a:defRPr sz="1800"/>
             </a:pPr>
             <a:r>
               <a:rPr sz="3200"/>
-              <a:t>Go to: </a:t>
-            </a:r>
-            <a:r>
-              <a:rPr sz="3200">
-                <a:hlinkClick r:id="rId2" invalidUrl="" action="" tgtFrame="" tooltip="" history="1" highlightClick="0" endSnd="0"/>
-              </a:rPr>
-              <a:t>http://192.168.3.12/</a:t>
+              <a:t>Run ‘docker images’</a:t>
             </a:r>
             <a:endParaRPr sz="3200"/>
           </a:p>
           <a:p>
-            <a:pPr lvl="0">
-              <a:defRPr sz="1800"/>
-            </a:pPr>
-            <a:endParaRPr sz="3200"/>
-          </a:p>
-          <a:p>
-            <a:pPr lvl="0">
-              <a:defRPr sz="1800"/>
-            </a:pPr>
-            <a:r>
-              <a:rPr sz="3200"/>
-              <a:t>Follow the setup instructions!</a:t>
+            <a:pPr lvl="1" marL="901700" indent="-444500">
+              <a:spcBef>
+                <a:spcPts val="600"/>
+              </a:spcBef>
+              <a:defRPr sz="1800"/>
+            </a:pPr>
+            <a:r>
+              <a:rPr sz="2800"/>
+              <a:t>Should show two images loaded</a:t>
+            </a:r>
+            <a:endParaRPr sz="2800"/>
+          </a:p>
+          <a:p>
+            <a:pPr lvl="1" marL="901700" indent="-444500">
+              <a:spcBef>
+                <a:spcPts val="600"/>
+              </a:spcBef>
+              <a:defRPr sz="1800"/>
+            </a:pPr>
+            <a:r>
+              <a:rPr sz="2800"/>
+              <a:t>node</a:t>
+            </a:r>
+            <a:endParaRPr sz="2800"/>
+          </a:p>
+          <a:p>
+            <a:pPr lvl="1" marL="901700" indent="-444500">
+              <a:spcBef>
+                <a:spcPts val="600"/>
+              </a:spcBef>
+              <a:defRPr sz="1800"/>
+            </a:pPr>
+            <a:r>
+              <a:rPr sz="2800"/>
+              <a:t>tutum/influxdb</a:t>
             </a:r>
           </a:p>
         </p:txBody>
@@ -4581,7 +4490,7 @@
             </a:pPr>
             <a:r>
               <a:rPr sz="4400"/>
-              <a:t>You should now have</a:t>
+              <a:t>Get the workshop</a:t>
             </a:r>
           </a:p>
         </p:txBody>
@@ -4607,89 +4516,63 @@
           <a:bodyPr/>
           <a:lstStyle/>
           <a:p>
-            <a:pPr lvl="0">
-              <a:defRPr sz="1800"/>
-            </a:pPr>
+            <a:pPr lvl="0" marL="609600" indent="-609600">
+              <a:defRPr sz="1800"/>
+            </a:pPr>
+            <a:r>
+              <a:rPr sz="3200"/>
+              <a:t>Clone the following repo</a:t>
+            </a:r>
             <a:endParaRPr sz="3200"/>
           </a:p>
           <a:p>
-            <a:pPr lvl="0">
-              <a:defRPr sz="1800"/>
-            </a:pPr>
-            <a:r>
-              <a:rPr sz="3200"/>
-              <a:t>Run ‘docker ps’</a:t>
-            </a:r>
+            <a:pPr lvl="0" marL="0" indent="0" algn="ctr">
+              <a:buSzTx/>
+              <a:buNone/>
+              <a:defRPr sz="1800"/>
+            </a:pPr>
             <a:endParaRPr sz="3200"/>
           </a:p>
           <a:p>
-            <a:pPr lvl="1" marL="742950" indent="-285750">
+            <a:pPr lvl="0" marL="0" indent="0" algn="ctr">
+              <a:buSzTx/>
+              <a:buNone/>
+              <a:defRPr sz="1800"/>
+            </a:pPr>
+            <a:r>
+              <a:rPr sz="4500">
+                <a:latin typeface="PT Mono"/>
+                <a:ea typeface="PT Mono"/>
+                <a:cs typeface="PT Mono"/>
+                <a:sym typeface="PT Mono"/>
+              </a:rPr>
+              <a:t>git@github.com:nearform/msworkshop.git</a:t>
+            </a:r>
+            <a:endParaRPr sz="4500">
+              <a:latin typeface="PT Mono"/>
+              <a:ea typeface="PT Mono"/>
+              <a:cs typeface="PT Mono"/>
+              <a:sym typeface="PT Mono"/>
+            </a:endParaRPr>
+          </a:p>
+          <a:p>
+            <a:pPr lvl="1" marL="0" indent="457200">
               <a:spcBef>
                 <a:spcPts val="600"/>
               </a:spcBef>
-              <a:defRPr sz="1800"/>
-            </a:pPr>
-            <a:r>
-              <a:rPr sz="2800"/>
-              <a:t>Should execute and show no processes</a:t>
-            </a:r>
+              <a:buSzTx/>
+              <a:buNone/>
+              <a:defRPr sz="1800"/>
+            </a:pPr>
             <a:endParaRPr sz="2800"/>
           </a:p>
           <a:p>
-            <a:pPr lvl="1" marL="742950" indent="-285750">
-              <a:spcBef>
-                <a:spcPts val="600"/>
-              </a:spcBef>
-              <a:defRPr sz="1800"/>
-            </a:pPr>
-            <a:endParaRPr sz="2800"/>
-          </a:p>
-          <a:p>
-            <a:pPr lvl="0">
+            <a:pPr lvl="0" marL="609600" indent="-609600">
               <a:defRPr sz="1800"/>
             </a:pPr>
             <a:r>
               <a:rPr sz="3200"/>
-              <a:t>Run ‘docker images’</a:t>
-            </a:r>
-            <a:endParaRPr sz="3200"/>
-          </a:p>
-          <a:p>
-            <a:pPr lvl="1" marL="742950" indent="-285750">
-              <a:spcBef>
-                <a:spcPts val="600"/>
-              </a:spcBef>
-              <a:defRPr sz="1800"/>
-            </a:pPr>
-            <a:r>
-              <a:rPr sz="2800"/>
-              <a:t>Should show two images loaded</a:t>
-            </a:r>
-            <a:endParaRPr sz="2800"/>
-          </a:p>
-          <a:p>
-            <a:pPr lvl="1" marL="742950" indent="-285750">
-              <a:spcBef>
-                <a:spcPts val="600"/>
-              </a:spcBef>
-              <a:defRPr sz="1800"/>
-            </a:pPr>
-            <a:r>
-              <a:rPr sz="2800"/>
-              <a:t>node</a:t>
-            </a:r>
-            <a:endParaRPr sz="2800"/>
-          </a:p>
-          <a:p>
-            <a:pPr lvl="1" marL="742950" indent="-285750">
-              <a:spcBef>
-                <a:spcPts val="600"/>
-              </a:spcBef>
-              <a:defRPr sz="1800"/>
-            </a:pPr>
-            <a:r>
-              <a:rPr sz="2800"/>
-              <a:t>tutum/influxdb</a:t>
+              <a:t>Or grab the tarball from a key drive</a:t>
             </a:r>
           </a:p>
         </p:txBody>
@@ -4746,14 +4629,14 @@
     </a:clrScheme>
     <a:fontScheme name="Default">
       <a:majorFont>
+        <a:latin typeface="Helvetica"/>
+        <a:ea typeface="Helvetica"/>
+        <a:cs typeface="Helvetica"/>
+      </a:majorFont>
+      <a:minorFont>
         <a:latin typeface="Helvetica Neue"/>
         <a:ea typeface="Helvetica Neue"/>
         <a:cs typeface="Helvetica Neue"/>
-      </a:majorFont>
-      <a:minorFont>
-        <a:latin typeface="Helvetica"/>
-        <a:ea typeface="Helvetica"/>
-        <a:cs typeface="Helvetica"/>
       </a:minorFont>
     </a:fontScheme>
     <a:fmtScheme name="Default">
@@ -4848,9 +4731,9 @@
         </a:effectStyle>
         <a:effectStyle>
           <a:effectLst>
-            <a:outerShdw sx="100000" sy="100000" kx="0" ky="0" algn="b" rotWithShape="0" blurRad="38100" dist="20000" dir="5400000">
+            <a:outerShdw sx="100000" sy="100000" kx="0" ky="0" algn="b" rotWithShape="0" blurRad="38100" dist="23000" dir="5400000">
               <a:srgbClr val="000000">
-                <a:alpha val="38000"/>
+                <a:alpha val="35000"/>
               </a:srgbClr>
             </a:outerShdw>
           </a:effectLst>
@@ -4929,7 +4812,7 @@
           </a:outerShdw>
         </a:effectLst>
       </a:spPr>
-      <a:bodyPr rot="0" spcFirstLastPara="1" vertOverflow="overflow" horzOverflow="overflow" vert="horz" wrap="square" lIns="45719" tIns="45719" rIns="45719" bIns="45719" numCol="1" spcCol="38100" rtlCol="0" anchor="ctr" upright="0">
+      <a:bodyPr rot="0" spcFirstLastPara="1" vertOverflow="overflow" horzOverflow="overflow" vert="horz" wrap="square" lIns="45718" tIns="45718" rIns="45718" bIns="45718" numCol="1" spcCol="38100" rtlCol="0" anchor="ctr" upright="0">
         <a:spAutoFit/>
       </a:bodyPr>
       <a:lstStyle>
@@ -4957,10 +4840,10 @@
             </a:solidFill>
             <a:effectLst/>
             <a:uFillTx/>
-            <a:latin typeface="Calibri"/>
-            <a:ea typeface="Calibri"/>
-            <a:cs typeface="Calibri"/>
-            <a:sym typeface="Calibri"/>
+            <a:latin typeface="+mj-lt"/>
+            <a:ea typeface="+mj-ea"/>
+            <a:cs typeface="+mj-cs"/>
+            <a:sym typeface="Helvetica"/>
           </a:defRPr>
         </a:defPPr>
         <a:lvl1pPr marL="0" marR="0" indent="0" algn="l" defTabSz="914400" rtl="0" fontAlgn="auto" latinLnBrk="1" hangingPunct="0">
@@ -5216,9 +5099,9 @@
           <a:bevel/>
         </a:ln>
         <a:effectLst>
-          <a:outerShdw sx="100000" sy="100000" kx="0" ky="0" algn="b" rotWithShape="0" blurRad="38100" dist="20000" dir="5400000">
+          <a:outerShdw sx="100000" sy="100000" kx="0" ky="0" algn="b" rotWithShape="0" blurRad="38100" dist="23000" dir="5400000">
             <a:srgbClr val="000000">
-              <a:alpha val="38000"/>
+              <a:alpha val="35000"/>
             </a:srgbClr>
           </a:outerShdw>
         </a:effectLst>
@@ -5504,7 +5387,7 @@
         </a:ln>
         <a:effectLst/>
       </a:spPr>
-      <a:bodyPr rot="0" spcFirstLastPara="1" vertOverflow="overflow" horzOverflow="overflow" vert="horz" wrap="square" lIns="45719" tIns="45719" rIns="45719" bIns="45719" numCol="1" spcCol="38100" rtlCol="0" anchor="t" upright="0">
+      <a:bodyPr rot="0" spcFirstLastPara="1" vertOverflow="overflow" horzOverflow="overflow" vert="horz" wrap="square" lIns="45718" tIns="45718" rIns="45718" bIns="45718" numCol="1" spcCol="38100" rtlCol="0" anchor="t" upright="0">
         <a:spAutoFit/>
       </a:bodyPr>
       <a:lstStyle>
@@ -5532,10 +5415,10 @@
             </a:solidFill>
             <a:effectLst/>
             <a:uFillTx/>
-            <a:latin typeface="Calibri"/>
-            <a:ea typeface="Calibri"/>
-            <a:cs typeface="Calibri"/>
-            <a:sym typeface="Calibri"/>
+            <a:latin typeface="+mj-lt"/>
+            <a:ea typeface="+mj-ea"/>
+            <a:cs typeface="+mj-cs"/>
+            <a:sym typeface="Helvetica"/>
           </a:defRPr>
         </a:defPPr>
         <a:lvl1pPr marL="0" marR="0" indent="0" algn="l" defTabSz="914400" rtl="0" fontAlgn="auto" latinLnBrk="1" hangingPunct="0">
@@ -5827,14 +5710,14 @@
     </a:clrScheme>
     <a:fontScheme name="Default">
       <a:majorFont>
+        <a:latin typeface="Helvetica"/>
+        <a:ea typeface="Helvetica"/>
+        <a:cs typeface="Helvetica"/>
+      </a:majorFont>
+      <a:minorFont>
         <a:latin typeface="Helvetica Neue"/>
         <a:ea typeface="Helvetica Neue"/>
         <a:cs typeface="Helvetica Neue"/>
-      </a:majorFont>
-      <a:minorFont>
-        <a:latin typeface="Helvetica"/>
-        <a:ea typeface="Helvetica"/>
-        <a:cs typeface="Helvetica"/>
       </a:minorFont>
     </a:fontScheme>
     <a:fmtScheme name="Default">
@@ -5929,9 +5812,9 @@
         </a:effectStyle>
         <a:effectStyle>
           <a:effectLst>
-            <a:outerShdw sx="100000" sy="100000" kx="0" ky="0" algn="b" rotWithShape="0" blurRad="38100" dist="20000" dir="5400000">
+            <a:outerShdw sx="100000" sy="100000" kx="0" ky="0" algn="b" rotWithShape="0" blurRad="38100" dist="23000" dir="5400000">
               <a:srgbClr val="000000">
-                <a:alpha val="38000"/>
+                <a:alpha val="35000"/>
               </a:srgbClr>
             </a:outerShdw>
           </a:effectLst>
@@ -6010,7 +5893,7 @@
           </a:outerShdw>
         </a:effectLst>
       </a:spPr>
-      <a:bodyPr rot="0" spcFirstLastPara="1" vertOverflow="overflow" horzOverflow="overflow" vert="horz" wrap="square" lIns="45719" tIns="45719" rIns="45719" bIns="45719" numCol="1" spcCol="38100" rtlCol="0" anchor="ctr" upright="0">
+      <a:bodyPr rot="0" spcFirstLastPara="1" vertOverflow="overflow" horzOverflow="overflow" vert="horz" wrap="square" lIns="45718" tIns="45718" rIns="45718" bIns="45718" numCol="1" spcCol="38100" rtlCol="0" anchor="ctr" upright="0">
         <a:spAutoFit/>
       </a:bodyPr>
       <a:lstStyle>
@@ -6038,10 +5921,10 @@
             </a:solidFill>
             <a:effectLst/>
             <a:uFillTx/>
-            <a:latin typeface="Calibri"/>
-            <a:ea typeface="Calibri"/>
-            <a:cs typeface="Calibri"/>
-            <a:sym typeface="Calibri"/>
+            <a:latin typeface="+mj-lt"/>
+            <a:ea typeface="+mj-ea"/>
+            <a:cs typeface="+mj-cs"/>
+            <a:sym typeface="Helvetica"/>
           </a:defRPr>
         </a:defPPr>
         <a:lvl1pPr marL="0" marR="0" indent="0" algn="l" defTabSz="914400" rtl="0" fontAlgn="auto" latinLnBrk="1" hangingPunct="0">
@@ -6297,9 +6180,9 @@
           <a:bevel/>
         </a:ln>
         <a:effectLst>
-          <a:outerShdw sx="100000" sy="100000" kx="0" ky="0" algn="b" rotWithShape="0" blurRad="38100" dist="20000" dir="5400000">
+          <a:outerShdw sx="100000" sy="100000" kx="0" ky="0" algn="b" rotWithShape="0" blurRad="38100" dist="23000" dir="5400000">
             <a:srgbClr val="000000">
-              <a:alpha val="38000"/>
+              <a:alpha val="35000"/>
             </a:srgbClr>
           </a:outerShdw>
         </a:effectLst>
@@ -6585,7 +6468,7 @@
         </a:ln>
         <a:effectLst/>
       </a:spPr>
-      <a:bodyPr rot="0" spcFirstLastPara="1" vertOverflow="overflow" horzOverflow="overflow" vert="horz" wrap="square" lIns="45719" tIns="45719" rIns="45719" bIns="45719" numCol="1" spcCol="38100" rtlCol="0" anchor="t" upright="0">
+      <a:bodyPr rot="0" spcFirstLastPara="1" vertOverflow="overflow" horzOverflow="overflow" vert="horz" wrap="square" lIns="45718" tIns="45718" rIns="45718" bIns="45718" numCol="1" spcCol="38100" rtlCol="0" anchor="t" upright="0">
         <a:spAutoFit/>
       </a:bodyPr>
       <a:lstStyle>
@@ -6613,10 +6496,10 @@
             </a:solidFill>
             <a:effectLst/>
             <a:uFillTx/>
-            <a:latin typeface="Calibri"/>
-            <a:ea typeface="Calibri"/>
-            <a:cs typeface="Calibri"/>
-            <a:sym typeface="Calibri"/>
+            <a:latin typeface="+mj-lt"/>
+            <a:ea typeface="+mj-ea"/>
+            <a:cs typeface="+mj-cs"/>
+            <a:sym typeface="Helvetica"/>
           </a:defRPr>
         </a:defPPr>
         <a:lvl1pPr marL="0" marR="0" indent="0" algn="l" defTabSz="914400" rtl="0" fontAlgn="auto" latinLnBrk="1" hangingPunct="0">
